--- a/ppt 16-9/1133.预备好没有.pptx
+++ b/ppt 16-9/1133.预备好没有.pptx
@@ -129,7 +129,7 @@
           <p:cNvPr id="2" name="标题 1">
             <a:extLst>
               <a:ext uri="{FF2B5EF4-FFF2-40B4-BE49-F238E27FC236}">
-                <a16:creationId xmlns:a16="http://schemas.microsoft.com/office/drawing/2014/main" id="{4F02DD05-E675-07DC-88E3-26451636D23D}"/>
+                <a16:creationId xmlns:a16="http://schemas.microsoft.com/office/drawing/2014/main" id="{A5C98955-0D2E-A834-F32E-BFD1C9C7A07C}"/>
               </a:ext>
             </a:extLst>
           </p:cNvPr>
@@ -166,7 +166,7 @@
           <p:cNvPr id="3" name="副标题 2">
             <a:extLst>
               <a:ext uri="{FF2B5EF4-FFF2-40B4-BE49-F238E27FC236}">
-                <a16:creationId xmlns:a16="http://schemas.microsoft.com/office/drawing/2014/main" id="{F83B44EB-4C86-74C5-6E7A-4F9C595CC4CD}"/>
+                <a16:creationId xmlns:a16="http://schemas.microsoft.com/office/drawing/2014/main" id="{F50DDBF2-0EE4-0CE9-3AE1-D411C23819CD}"/>
               </a:ext>
             </a:extLst>
           </p:cNvPr>
@@ -236,7 +236,7 @@
           <p:cNvPr id="4" name="日期占位符 3">
             <a:extLst>
               <a:ext uri="{FF2B5EF4-FFF2-40B4-BE49-F238E27FC236}">
-                <a16:creationId xmlns:a16="http://schemas.microsoft.com/office/drawing/2014/main" id="{3A2D07A8-20DF-910C-3A1B-640473746346}"/>
+                <a16:creationId xmlns:a16="http://schemas.microsoft.com/office/drawing/2014/main" id="{E9E9AD13-193B-5896-D5DF-68180ABA7103}"/>
               </a:ext>
             </a:extLst>
           </p:cNvPr>
@@ -252,7 +252,7 @@
           <a:bodyPr/>
           <a:lstStyle/>
           <a:p>
-            <a:fld id="{FC2C7BA9-88D6-4F41-9DA4-C01D29DAA14F}" type="datetimeFigureOut">
+            <a:fld id="{4F101A18-3280-49A9-8C23-3223E8D457B3}" type="datetimeFigureOut">
               <a:rPr lang="zh-CN" altLang="en-US" smtClean="0"/>
               <a:t>2024/3/10</a:t>
             </a:fld>
@@ -265,7 +265,7 @@
           <p:cNvPr id="5" name="页脚占位符 4">
             <a:extLst>
               <a:ext uri="{FF2B5EF4-FFF2-40B4-BE49-F238E27FC236}">
-                <a16:creationId xmlns:a16="http://schemas.microsoft.com/office/drawing/2014/main" id="{E3CA213E-1189-2941-E2AF-1B3240494DCD}"/>
+                <a16:creationId xmlns:a16="http://schemas.microsoft.com/office/drawing/2014/main" id="{FF8C647E-810B-F773-9A37-9AE95F536285}"/>
               </a:ext>
             </a:extLst>
           </p:cNvPr>
@@ -290,7 +290,7 @@
           <p:cNvPr id="6" name="灯片编号占位符 5">
             <a:extLst>
               <a:ext uri="{FF2B5EF4-FFF2-40B4-BE49-F238E27FC236}">
-                <a16:creationId xmlns:a16="http://schemas.microsoft.com/office/drawing/2014/main" id="{FED798B7-2437-B6BD-F469-EFA573EFA41C}"/>
+                <a16:creationId xmlns:a16="http://schemas.microsoft.com/office/drawing/2014/main" id="{6EA6AC8B-9162-ED09-3C66-F8833E681D65}"/>
               </a:ext>
             </a:extLst>
           </p:cNvPr>
@@ -306,7 +306,7 @@
           <a:bodyPr/>
           <a:lstStyle/>
           <a:p>
-            <a:fld id="{B53C888F-B29A-4F7F-9B11-A24B020DBBFC}" type="slidenum">
+            <a:fld id="{178FC285-7A94-420D-BC1D-BFAE9D32A864}" type="slidenum">
               <a:rPr lang="zh-CN" altLang="en-US" smtClean="0"/>
               <a:t>‹#›</a:t>
             </a:fld>
@@ -317,7 +317,7 @@
     </p:spTree>
     <p:extLst>
       <p:ext uri="{BB962C8B-B14F-4D97-AF65-F5344CB8AC3E}">
-        <p14:creationId xmlns:p14="http://schemas.microsoft.com/office/powerpoint/2010/main" val="1489597897"/>
+        <p14:creationId xmlns:p14="http://schemas.microsoft.com/office/powerpoint/2010/main" val="782997083"/>
       </p:ext>
     </p:extLst>
   </p:cSld>
@@ -349,7 +349,7 @@
           <p:cNvPr id="2" name="标题 1">
             <a:extLst>
               <a:ext uri="{FF2B5EF4-FFF2-40B4-BE49-F238E27FC236}">
-                <a16:creationId xmlns:a16="http://schemas.microsoft.com/office/drawing/2014/main" id="{E71EA403-8ACE-4C0A-777B-8AE79596F3CC}"/>
+                <a16:creationId xmlns:a16="http://schemas.microsoft.com/office/drawing/2014/main" id="{3670A4AB-85CB-8808-CBCE-A14BCF626CE0}"/>
               </a:ext>
             </a:extLst>
           </p:cNvPr>
@@ -377,7 +377,7 @@
           <p:cNvPr id="3" name="竖排文字占位符 2">
             <a:extLst>
               <a:ext uri="{FF2B5EF4-FFF2-40B4-BE49-F238E27FC236}">
-                <a16:creationId xmlns:a16="http://schemas.microsoft.com/office/drawing/2014/main" id="{8E88B570-480D-B956-6E77-DC09287689CF}"/>
+                <a16:creationId xmlns:a16="http://schemas.microsoft.com/office/drawing/2014/main" id="{BA7D3D3E-82D4-78C0-3312-E52A1D411A6D}"/>
               </a:ext>
             </a:extLst>
           </p:cNvPr>
@@ -434,7 +434,7 @@
           <p:cNvPr id="4" name="日期占位符 3">
             <a:extLst>
               <a:ext uri="{FF2B5EF4-FFF2-40B4-BE49-F238E27FC236}">
-                <a16:creationId xmlns:a16="http://schemas.microsoft.com/office/drawing/2014/main" id="{0BD37EB2-109A-C862-CB50-257B25F01723}"/>
+                <a16:creationId xmlns:a16="http://schemas.microsoft.com/office/drawing/2014/main" id="{5E12B594-0095-CDC3-BC64-255A11870188}"/>
               </a:ext>
             </a:extLst>
           </p:cNvPr>
@@ -450,7 +450,7 @@
           <a:bodyPr/>
           <a:lstStyle/>
           <a:p>
-            <a:fld id="{FC2C7BA9-88D6-4F41-9DA4-C01D29DAA14F}" type="datetimeFigureOut">
+            <a:fld id="{4F101A18-3280-49A9-8C23-3223E8D457B3}" type="datetimeFigureOut">
               <a:rPr lang="zh-CN" altLang="en-US" smtClean="0"/>
               <a:t>2024/3/10</a:t>
             </a:fld>
@@ -463,7 +463,7 @@
           <p:cNvPr id="5" name="页脚占位符 4">
             <a:extLst>
               <a:ext uri="{FF2B5EF4-FFF2-40B4-BE49-F238E27FC236}">
-                <a16:creationId xmlns:a16="http://schemas.microsoft.com/office/drawing/2014/main" id="{4C9A6395-0210-E86B-9CCA-20CF886AF51C}"/>
+                <a16:creationId xmlns:a16="http://schemas.microsoft.com/office/drawing/2014/main" id="{78511244-D8A0-07EB-EB1F-E7A0F6B5C216}"/>
               </a:ext>
             </a:extLst>
           </p:cNvPr>
@@ -488,7 +488,7 @@
           <p:cNvPr id="6" name="灯片编号占位符 5">
             <a:extLst>
               <a:ext uri="{FF2B5EF4-FFF2-40B4-BE49-F238E27FC236}">
-                <a16:creationId xmlns:a16="http://schemas.microsoft.com/office/drawing/2014/main" id="{E0EB75DB-E9B7-D737-2B5E-B9F54CB8F7E6}"/>
+                <a16:creationId xmlns:a16="http://schemas.microsoft.com/office/drawing/2014/main" id="{ACC2633E-0BF1-0FDC-7834-40F2F431701C}"/>
               </a:ext>
             </a:extLst>
           </p:cNvPr>
@@ -504,7 +504,7 @@
           <a:bodyPr/>
           <a:lstStyle/>
           <a:p>
-            <a:fld id="{B53C888F-B29A-4F7F-9B11-A24B020DBBFC}" type="slidenum">
+            <a:fld id="{178FC285-7A94-420D-BC1D-BFAE9D32A864}" type="slidenum">
               <a:rPr lang="zh-CN" altLang="en-US" smtClean="0"/>
               <a:t>‹#›</a:t>
             </a:fld>
@@ -515,7 +515,7 @@
     </p:spTree>
     <p:extLst>
       <p:ext uri="{BB962C8B-B14F-4D97-AF65-F5344CB8AC3E}">
-        <p14:creationId xmlns:p14="http://schemas.microsoft.com/office/powerpoint/2010/main" val="2674446387"/>
+        <p14:creationId xmlns:p14="http://schemas.microsoft.com/office/powerpoint/2010/main" val="3599557957"/>
       </p:ext>
     </p:extLst>
   </p:cSld>
@@ -547,7 +547,7 @@
           <p:cNvPr id="2" name="竖排标题 1">
             <a:extLst>
               <a:ext uri="{FF2B5EF4-FFF2-40B4-BE49-F238E27FC236}">
-                <a16:creationId xmlns:a16="http://schemas.microsoft.com/office/drawing/2014/main" id="{2BB0834C-DFA3-0942-A8A6-F7574EA64834}"/>
+                <a16:creationId xmlns:a16="http://schemas.microsoft.com/office/drawing/2014/main" id="{8AAC219D-8953-2834-695A-918C82E2E5C1}"/>
               </a:ext>
             </a:extLst>
           </p:cNvPr>
@@ -580,7 +580,7 @@
           <p:cNvPr id="3" name="竖排文字占位符 2">
             <a:extLst>
               <a:ext uri="{FF2B5EF4-FFF2-40B4-BE49-F238E27FC236}">
-                <a16:creationId xmlns:a16="http://schemas.microsoft.com/office/drawing/2014/main" id="{6AD3489B-28D4-D5F8-B652-B228ECB8871F}"/>
+                <a16:creationId xmlns:a16="http://schemas.microsoft.com/office/drawing/2014/main" id="{188A1765-54C2-FB01-364D-D5FEE517C61F}"/>
               </a:ext>
             </a:extLst>
           </p:cNvPr>
@@ -642,7 +642,7 @@
           <p:cNvPr id="4" name="日期占位符 3">
             <a:extLst>
               <a:ext uri="{FF2B5EF4-FFF2-40B4-BE49-F238E27FC236}">
-                <a16:creationId xmlns:a16="http://schemas.microsoft.com/office/drawing/2014/main" id="{6805C662-F85E-64DA-7EC0-78D9F479C80A}"/>
+                <a16:creationId xmlns:a16="http://schemas.microsoft.com/office/drawing/2014/main" id="{B3C1B6D9-A3C4-095C-A124-42BB41555243}"/>
               </a:ext>
             </a:extLst>
           </p:cNvPr>
@@ -658,7 +658,7 @@
           <a:bodyPr/>
           <a:lstStyle/>
           <a:p>
-            <a:fld id="{FC2C7BA9-88D6-4F41-9DA4-C01D29DAA14F}" type="datetimeFigureOut">
+            <a:fld id="{4F101A18-3280-49A9-8C23-3223E8D457B3}" type="datetimeFigureOut">
               <a:rPr lang="zh-CN" altLang="en-US" smtClean="0"/>
               <a:t>2024/3/10</a:t>
             </a:fld>
@@ -671,7 +671,7 @@
           <p:cNvPr id="5" name="页脚占位符 4">
             <a:extLst>
               <a:ext uri="{FF2B5EF4-FFF2-40B4-BE49-F238E27FC236}">
-                <a16:creationId xmlns:a16="http://schemas.microsoft.com/office/drawing/2014/main" id="{76215E48-26BC-E2CD-BC70-BF6B243AF36C}"/>
+                <a16:creationId xmlns:a16="http://schemas.microsoft.com/office/drawing/2014/main" id="{A42A77BD-FD48-5B82-3042-BC46EB86E5AA}"/>
               </a:ext>
             </a:extLst>
           </p:cNvPr>
@@ -696,7 +696,7 @@
           <p:cNvPr id="6" name="灯片编号占位符 5">
             <a:extLst>
               <a:ext uri="{FF2B5EF4-FFF2-40B4-BE49-F238E27FC236}">
-                <a16:creationId xmlns:a16="http://schemas.microsoft.com/office/drawing/2014/main" id="{062BB497-5210-16A7-B5E6-2CD62C32E0D8}"/>
+                <a16:creationId xmlns:a16="http://schemas.microsoft.com/office/drawing/2014/main" id="{8E5511A8-206D-2CF6-036F-790ABC77972E}"/>
               </a:ext>
             </a:extLst>
           </p:cNvPr>
@@ -712,7 +712,7 @@
           <a:bodyPr/>
           <a:lstStyle/>
           <a:p>
-            <a:fld id="{B53C888F-B29A-4F7F-9B11-A24B020DBBFC}" type="slidenum">
+            <a:fld id="{178FC285-7A94-420D-BC1D-BFAE9D32A864}" type="slidenum">
               <a:rPr lang="zh-CN" altLang="en-US" smtClean="0"/>
               <a:t>‹#›</a:t>
             </a:fld>
@@ -723,7 +723,7 @@
     </p:spTree>
     <p:extLst>
       <p:ext uri="{BB962C8B-B14F-4D97-AF65-F5344CB8AC3E}">
-        <p14:creationId xmlns:p14="http://schemas.microsoft.com/office/powerpoint/2010/main" val="1419499843"/>
+        <p14:creationId xmlns:p14="http://schemas.microsoft.com/office/powerpoint/2010/main" val="2913146737"/>
       </p:ext>
     </p:extLst>
   </p:cSld>
@@ -755,7 +755,7 @@
           <p:cNvPr id="2" name="标题 1">
             <a:extLst>
               <a:ext uri="{FF2B5EF4-FFF2-40B4-BE49-F238E27FC236}">
-                <a16:creationId xmlns:a16="http://schemas.microsoft.com/office/drawing/2014/main" id="{446391C6-B298-8F08-E2D6-0D68CB84AB32}"/>
+                <a16:creationId xmlns:a16="http://schemas.microsoft.com/office/drawing/2014/main" id="{28CE4D07-19C8-8817-DE5A-8BDF4E0EDA1D}"/>
               </a:ext>
             </a:extLst>
           </p:cNvPr>
@@ -783,7 +783,7 @@
           <p:cNvPr id="3" name="内容占位符 2">
             <a:extLst>
               <a:ext uri="{FF2B5EF4-FFF2-40B4-BE49-F238E27FC236}">
-                <a16:creationId xmlns:a16="http://schemas.microsoft.com/office/drawing/2014/main" id="{E705C9A6-5863-AF62-B11F-84BB662795C9}"/>
+                <a16:creationId xmlns:a16="http://schemas.microsoft.com/office/drawing/2014/main" id="{DFF969D4-E3FA-D64A-53D8-9467C829089E}"/>
               </a:ext>
             </a:extLst>
           </p:cNvPr>
@@ -840,7 +840,7 @@
           <p:cNvPr id="4" name="日期占位符 3">
             <a:extLst>
               <a:ext uri="{FF2B5EF4-FFF2-40B4-BE49-F238E27FC236}">
-                <a16:creationId xmlns:a16="http://schemas.microsoft.com/office/drawing/2014/main" id="{1A399A51-6C0A-FE85-A13B-AC5E7225DA2A}"/>
+                <a16:creationId xmlns:a16="http://schemas.microsoft.com/office/drawing/2014/main" id="{0ED63B86-3537-354C-4644-451CD1BD65D4}"/>
               </a:ext>
             </a:extLst>
           </p:cNvPr>
@@ -856,7 +856,7 @@
           <a:bodyPr/>
           <a:lstStyle/>
           <a:p>
-            <a:fld id="{FC2C7BA9-88D6-4F41-9DA4-C01D29DAA14F}" type="datetimeFigureOut">
+            <a:fld id="{4F101A18-3280-49A9-8C23-3223E8D457B3}" type="datetimeFigureOut">
               <a:rPr lang="zh-CN" altLang="en-US" smtClean="0"/>
               <a:t>2024/3/10</a:t>
             </a:fld>
@@ -869,7 +869,7 @@
           <p:cNvPr id="5" name="页脚占位符 4">
             <a:extLst>
               <a:ext uri="{FF2B5EF4-FFF2-40B4-BE49-F238E27FC236}">
-                <a16:creationId xmlns:a16="http://schemas.microsoft.com/office/drawing/2014/main" id="{6A3E58DF-1B26-1513-08F1-FD557EB948F8}"/>
+                <a16:creationId xmlns:a16="http://schemas.microsoft.com/office/drawing/2014/main" id="{B69EFC9D-32A6-6F88-F957-A8F6DB496088}"/>
               </a:ext>
             </a:extLst>
           </p:cNvPr>
@@ -894,7 +894,7 @@
           <p:cNvPr id="6" name="灯片编号占位符 5">
             <a:extLst>
               <a:ext uri="{FF2B5EF4-FFF2-40B4-BE49-F238E27FC236}">
-                <a16:creationId xmlns:a16="http://schemas.microsoft.com/office/drawing/2014/main" id="{BFD6FD20-4C74-1E41-1C35-1A8E60DF5F19}"/>
+                <a16:creationId xmlns:a16="http://schemas.microsoft.com/office/drawing/2014/main" id="{77DB9239-729B-D2E3-4541-AD6A7337E77A}"/>
               </a:ext>
             </a:extLst>
           </p:cNvPr>
@@ -910,7 +910,7 @@
           <a:bodyPr/>
           <a:lstStyle/>
           <a:p>
-            <a:fld id="{B53C888F-B29A-4F7F-9B11-A24B020DBBFC}" type="slidenum">
+            <a:fld id="{178FC285-7A94-420D-BC1D-BFAE9D32A864}" type="slidenum">
               <a:rPr lang="zh-CN" altLang="en-US" smtClean="0"/>
               <a:t>‹#›</a:t>
             </a:fld>
@@ -921,7 +921,7 @@
     </p:spTree>
     <p:extLst>
       <p:ext uri="{BB962C8B-B14F-4D97-AF65-F5344CB8AC3E}">
-        <p14:creationId xmlns:p14="http://schemas.microsoft.com/office/powerpoint/2010/main" val="3192628748"/>
+        <p14:creationId xmlns:p14="http://schemas.microsoft.com/office/powerpoint/2010/main" val="2771398018"/>
       </p:ext>
     </p:extLst>
   </p:cSld>
@@ -953,7 +953,7 @@
           <p:cNvPr id="2" name="标题 1">
             <a:extLst>
               <a:ext uri="{FF2B5EF4-FFF2-40B4-BE49-F238E27FC236}">
-                <a16:creationId xmlns:a16="http://schemas.microsoft.com/office/drawing/2014/main" id="{B599363F-6875-E7AC-A4EA-2F1FD646F8C7}"/>
+                <a16:creationId xmlns:a16="http://schemas.microsoft.com/office/drawing/2014/main" id="{AE7C7094-F945-F282-3B85-D87A490C273F}"/>
               </a:ext>
             </a:extLst>
           </p:cNvPr>
@@ -990,7 +990,7 @@
           <p:cNvPr id="3" name="文本占位符 2">
             <a:extLst>
               <a:ext uri="{FF2B5EF4-FFF2-40B4-BE49-F238E27FC236}">
-                <a16:creationId xmlns:a16="http://schemas.microsoft.com/office/drawing/2014/main" id="{B68C5A93-C4ED-103B-BD30-E030D1036F12}"/>
+                <a16:creationId xmlns:a16="http://schemas.microsoft.com/office/drawing/2014/main" id="{875D08FB-25FA-351D-FDE4-4760EE3C44FE}"/>
               </a:ext>
             </a:extLst>
           </p:cNvPr>
@@ -1115,7 +1115,7 @@
           <p:cNvPr id="4" name="日期占位符 3">
             <a:extLst>
               <a:ext uri="{FF2B5EF4-FFF2-40B4-BE49-F238E27FC236}">
-                <a16:creationId xmlns:a16="http://schemas.microsoft.com/office/drawing/2014/main" id="{F0EB83D5-38DC-3912-C0A5-CC3B02CB141B}"/>
+                <a16:creationId xmlns:a16="http://schemas.microsoft.com/office/drawing/2014/main" id="{7695D963-1535-CA9D-E537-4E45992E1041}"/>
               </a:ext>
             </a:extLst>
           </p:cNvPr>
@@ -1131,7 +1131,7 @@
           <a:bodyPr/>
           <a:lstStyle/>
           <a:p>
-            <a:fld id="{FC2C7BA9-88D6-4F41-9DA4-C01D29DAA14F}" type="datetimeFigureOut">
+            <a:fld id="{4F101A18-3280-49A9-8C23-3223E8D457B3}" type="datetimeFigureOut">
               <a:rPr lang="zh-CN" altLang="en-US" smtClean="0"/>
               <a:t>2024/3/10</a:t>
             </a:fld>
@@ -1144,7 +1144,7 @@
           <p:cNvPr id="5" name="页脚占位符 4">
             <a:extLst>
               <a:ext uri="{FF2B5EF4-FFF2-40B4-BE49-F238E27FC236}">
-                <a16:creationId xmlns:a16="http://schemas.microsoft.com/office/drawing/2014/main" id="{326A817B-AB83-E064-BEDD-E0631EB05428}"/>
+                <a16:creationId xmlns:a16="http://schemas.microsoft.com/office/drawing/2014/main" id="{FB49CBD4-C4F5-650B-9225-6319466FF0E2}"/>
               </a:ext>
             </a:extLst>
           </p:cNvPr>
@@ -1169,7 +1169,7 @@
           <p:cNvPr id="6" name="灯片编号占位符 5">
             <a:extLst>
               <a:ext uri="{FF2B5EF4-FFF2-40B4-BE49-F238E27FC236}">
-                <a16:creationId xmlns:a16="http://schemas.microsoft.com/office/drawing/2014/main" id="{387EF4D1-2B74-BCAD-07A7-A03DF6F47107}"/>
+                <a16:creationId xmlns:a16="http://schemas.microsoft.com/office/drawing/2014/main" id="{806CFEE0-9455-1CF3-1FF5-074EFD7C137F}"/>
               </a:ext>
             </a:extLst>
           </p:cNvPr>
@@ -1185,7 +1185,7 @@
           <a:bodyPr/>
           <a:lstStyle/>
           <a:p>
-            <a:fld id="{B53C888F-B29A-4F7F-9B11-A24B020DBBFC}" type="slidenum">
+            <a:fld id="{178FC285-7A94-420D-BC1D-BFAE9D32A864}" type="slidenum">
               <a:rPr lang="zh-CN" altLang="en-US" smtClean="0"/>
               <a:t>‹#›</a:t>
             </a:fld>
@@ -1196,7 +1196,7 @@
     </p:spTree>
     <p:extLst>
       <p:ext uri="{BB962C8B-B14F-4D97-AF65-F5344CB8AC3E}">
-        <p14:creationId xmlns:p14="http://schemas.microsoft.com/office/powerpoint/2010/main" val="2397932158"/>
+        <p14:creationId xmlns:p14="http://schemas.microsoft.com/office/powerpoint/2010/main" val="3077485239"/>
       </p:ext>
     </p:extLst>
   </p:cSld>
@@ -1228,7 +1228,7 @@
           <p:cNvPr id="2" name="标题 1">
             <a:extLst>
               <a:ext uri="{FF2B5EF4-FFF2-40B4-BE49-F238E27FC236}">
-                <a16:creationId xmlns:a16="http://schemas.microsoft.com/office/drawing/2014/main" id="{77A5E80E-CB5E-E9E0-0D04-7F0D94797484}"/>
+                <a16:creationId xmlns:a16="http://schemas.microsoft.com/office/drawing/2014/main" id="{32C70F55-52DF-A10A-F1D2-F5E4902A7DD9}"/>
               </a:ext>
             </a:extLst>
           </p:cNvPr>
@@ -1256,7 +1256,7 @@
           <p:cNvPr id="3" name="内容占位符 2">
             <a:extLst>
               <a:ext uri="{FF2B5EF4-FFF2-40B4-BE49-F238E27FC236}">
-                <a16:creationId xmlns:a16="http://schemas.microsoft.com/office/drawing/2014/main" id="{6ED7E2A7-4EE8-6FFA-421E-8E06B3A4C20E}"/>
+                <a16:creationId xmlns:a16="http://schemas.microsoft.com/office/drawing/2014/main" id="{DEF1940A-3F78-5A6A-29CC-6D115D458474}"/>
               </a:ext>
             </a:extLst>
           </p:cNvPr>
@@ -1318,7 +1318,7 @@
           <p:cNvPr id="4" name="内容占位符 3">
             <a:extLst>
               <a:ext uri="{FF2B5EF4-FFF2-40B4-BE49-F238E27FC236}">
-                <a16:creationId xmlns:a16="http://schemas.microsoft.com/office/drawing/2014/main" id="{2124051B-B7C9-57CA-7A74-E85AAD35C866}"/>
+                <a16:creationId xmlns:a16="http://schemas.microsoft.com/office/drawing/2014/main" id="{35A7D44F-7741-64D1-2F11-C00C0BD44A62}"/>
               </a:ext>
             </a:extLst>
           </p:cNvPr>
@@ -1380,7 +1380,7 @@
           <p:cNvPr id="5" name="日期占位符 4">
             <a:extLst>
               <a:ext uri="{FF2B5EF4-FFF2-40B4-BE49-F238E27FC236}">
-                <a16:creationId xmlns:a16="http://schemas.microsoft.com/office/drawing/2014/main" id="{0108527B-891B-5976-6A2E-833B9526DD89}"/>
+                <a16:creationId xmlns:a16="http://schemas.microsoft.com/office/drawing/2014/main" id="{9F9D7FD2-75C8-C2A9-F173-291E087956F6}"/>
               </a:ext>
             </a:extLst>
           </p:cNvPr>
@@ -1396,7 +1396,7 @@
           <a:bodyPr/>
           <a:lstStyle/>
           <a:p>
-            <a:fld id="{FC2C7BA9-88D6-4F41-9DA4-C01D29DAA14F}" type="datetimeFigureOut">
+            <a:fld id="{4F101A18-3280-49A9-8C23-3223E8D457B3}" type="datetimeFigureOut">
               <a:rPr lang="zh-CN" altLang="en-US" smtClean="0"/>
               <a:t>2024/3/10</a:t>
             </a:fld>
@@ -1409,7 +1409,7 @@
           <p:cNvPr id="6" name="页脚占位符 5">
             <a:extLst>
               <a:ext uri="{FF2B5EF4-FFF2-40B4-BE49-F238E27FC236}">
-                <a16:creationId xmlns:a16="http://schemas.microsoft.com/office/drawing/2014/main" id="{99069592-D8F5-7FC2-BD7E-B6A963FA99E2}"/>
+                <a16:creationId xmlns:a16="http://schemas.microsoft.com/office/drawing/2014/main" id="{9F031D90-9C25-E680-9F26-3D082E625FD5}"/>
               </a:ext>
             </a:extLst>
           </p:cNvPr>
@@ -1434,7 +1434,7 @@
           <p:cNvPr id="7" name="灯片编号占位符 6">
             <a:extLst>
               <a:ext uri="{FF2B5EF4-FFF2-40B4-BE49-F238E27FC236}">
-                <a16:creationId xmlns:a16="http://schemas.microsoft.com/office/drawing/2014/main" id="{31C836D7-A3D7-8BF4-51C4-66BDA9E34F1A}"/>
+                <a16:creationId xmlns:a16="http://schemas.microsoft.com/office/drawing/2014/main" id="{4A3D8460-314C-14A0-AAB1-44B0377D3649}"/>
               </a:ext>
             </a:extLst>
           </p:cNvPr>
@@ -1450,7 +1450,7 @@
           <a:bodyPr/>
           <a:lstStyle/>
           <a:p>
-            <a:fld id="{B53C888F-B29A-4F7F-9B11-A24B020DBBFC}" type="slidenum">
+            <a:fld id="{178FC285-7A94-420D-BC1D-BFAE9D32A864}" type="slidenum">
               <a:rPr lang="zh-CN" altLang="en-US" smtClean="0"/>
               <a:t>‹#›</a:t>
             </a:fld>
@@ -1461,7 +1461,7 @@
     </p:spTree>
     <p:extLst>
       <p:ext uri="{BB962C8B-B14F-4D97-AF65-F5344CB8AC3E}">
-        <p14:creationId xmlns:p14="http://schemas.microsoft.com/office/powerpoint/2010/main" val="433800410"/>
+        <p14:creationId xmlns:p14="http://schemas.microsoft.com/office/powerpoint/2010/main" val="2483957628"/>
       </p:ext>
     </p:extLst>
   </p:cSld>
@@ -1493,7 +1493,7 @@
           <p:cNvPr id="2" name="标题 1">
             <a:extLst>
               <a:ext uri="{FF2B5EF4-FFF2-40B4-BE49-F238E27FC236}">
-                <a16:creationId xmlns:a16="http://schemas.microsoft.com/office/drawing/2014/main" id="{7D366A7D-CCFB-8215-C9C4-818F87DB572B}"/>
+                <a16:creationId xmlns:a16="http://schemas.microsoft.com/office/drawing/2014/main" id="{84BD432B-4A28-9998-C0B3-FF96431DC1CE}"/>
               </a:ext>
             </a:extLst>
           </p:cNvPr>
@@ -1526,7 +1526,7 @@
           <p:cNvPr id="3" name="文本占位符 2">
             <a:extLst>
               <a:ext uri="{FF2B5EF4-FFF2-40B4-BE49-F238E27FC236}">
-                <a16:creationId xmlns:a16="http://schemas.microsoft.com/office/drawing/2014/main" id="{09148926-4744-2A20-E602-FA27DB4A8E2C}"/>
+                <a16:creationId xmlns:a16="http://schemas.microsoft.com/office/drawing/2014/main" id="{FB39A65F-C20C-741E-74CE-F0E8F6AC4E02}"/>
               </a:ext>
             </a:extLst>
           </p:cNvPr>
@@ -1597,7 +1597,7 @@
           <p:cNvPr id="4" name="内容占位符 3">
             <a:extLst>
               <a:ext uri="{FF2B5EF4-FFF2-40B4-BE49-F238E27FC236}">
-                <a16:creationId xmlns:a16="http://schemas.microsoft.com/office/drawing/2014/main" id="{9B76CEEC-DF95-C841-8B5F-B844BA4E1729}"/>
+                <a16:creationId xmlns:a16="http://schemas.microsoft.com/office/drawing/2014/main" id="{5B412B29-B7E9-0823-D73E-9609C3A17CBD}"/>
               </a:ext>
             </a:extLst>
           </p:cNvPr>
@@ -1659,7 +1659,7 @@
           <p:cNvPr id="5" name="文本占位符 4">
             <a:extLst>
               <a:ext uri="{FF2B5EF4-FFF2-40B4-BE49-F238E27FC236}">
-                <a16:creationId xmlns:a16="http://schemas.microsoft.com/office/drawing/2014/main" id="{3B329B18-10D4-AC70-7095-D07AEC4D23A4}"/>
+                <a16:creationId xmlns:a16="http://schemas.microsoft.com/office/drawing/2014/main" id="{FA260686-01F5-5F9E-CC16-C6F679AA6AA5}"/>
               </a:ext>
             </a:extLst>
           </p:cNvPr>
@@ -1730,7 +1730,7 @@
           <p:cNvPr id="6" name="内容占位符 5">
             <a:extLst>
               <a:ext uri="{FF2B5EF4-FFF2-40B4-BE49-F238E27FC236}">
-                <a16:creationId xmlns:a16="http://schemas.microsoft.com/office/drawing/2014/main" id="{74FF867E-5887-AE9C-E095-388F798C4089}"/>
+                <a16:creationId xmlns:a16="http://schemas.microsoft.com/office/drawing/2014/main" id="{8976CA77-B10E-6634-3E1E-0277CD68F4CC}"/>
               </a:ext>
             </a:extLst>
           </p:cNvPr>
@@ -1792,7 +1792,7 @@
           <p:cNvPr id="7" name="日期占位符 6">
             <a:extLst>
               <a:ext uri="{FF2B5EF4-FFF2-40B4-BE49-F238E27FC236}">
-                <a16:creationId xmlns:a16="http://schemas.microsoft.com/office/drawing/2014/main" id="{A6C345D2-58BC-EFAE-1860-FF5899F822DB}"/>
+                <a16:creationId xmlns:a16="http://schemas.microsoft.com/office/drawing/2014/main" id="{645FEB52-6E1A-B716-06F7-3EB92B2FC5F9}"/>
               </a:ext>
             </a:extLst>
           </p:cNvPr>
@@ -1808,7 +1808,7 @@
           <a:bodyPr/>
           <a:lstStyle/>
           <a:p>
-            <a:fld id="{FC2C7BA9-88D6-4F41-9DA4-C01D29DAA14F}" type="datetimeFigureOut">
+            <a:fld id="{4F101A18-3280-49A9-8C23-3223E8D457B3}" type="datetimeFigureOut">
               <a:rPr lang="zh-CN" altLang="en-US" smtClean="0"/>
               <a:t>2024/3/10</a:t>
             </a:fld>
@@ -1821,7 +1821,7 @@
           <p:cNvPr id="8" name="页脚占位符 7">
             <a:extLst>
               <a:ext uri="{FF2B5EF4-FFF2-40B4-BE49-F238E27FC236}">
-                <a16:creationId xmlns:a16="http://schemas.microsoft.com/office/drawing/2014/main" id="{A1DE8B5A-555C-FCB1-F6B5-D56473F937A9}"/>
+                <a16:creationId xmlns:a16="http://schemas.microsoft.com/office/drawing/2014/main" id="{44F799A1-FDEC-8DFF-8AF5-F9635D6D25B7}"/>
               </a:ext>
             </a:extLst>
           </p:cNvPr>
@@ -1846,7 +1846,7 @@
           <p:cNvPr id="9" name="灯片编号占位符 8">
             <a:extLst>
               <a:ext uri="{FF2B5EF4-FFF2-40B4-BE49-F238E27FC236}">
-                <a16:creationId xmlns:a16="http://schemas.microsoft.com/office/drawing/2014/main" id="{F455BB65-E6FA-DCE3-746E-B863897E99F0}"/>
+                <a16:creationId xmlns:a16="http://schemas.microsoft.com/office/drawing/2014/main" id="{772964C5-3973-FC5D-0081-5068A80190BD}"/>
               </a:ext>
             </a:extLst>
           </p:cNvPr>
@@ -1862,7 +1862,7 @@
           <a:bodyPr/>
           <a:lstStyle/>
           <a:p>
-            <a:fld id="{B53C888F-B29A-4F7F-9B11-A24B020DBBFC}" type="slidenum">
+            <a:fld id="{178FC285-7A94-420D-BC1D-BFAE9D32A864}" type="slidenum">
               <a:rPr lang="zh-CN" altLang="en-US" smtClean="0"/>
               <a:t>‹#›</a:t>
             </a:fld>
@@ -1873,7 +1873,7 @@
     </p:spTree>
     <p:extLst>
       <p:ext uri="{BB962C8B-B14F-4D97-AF65-F5344CB8AC3E}">
-        <p14:creationId xmlns:p14="http://schemas.microsoft.com/office/powerpoint/2010/main" val="1259684930"/>
+        <p14:creationId xmlns:p14="http://schemas.microsoft.com/office/powerpoint/2010/main" val="2678153353"/>
       </p:ext>
     </p:extLst>
   </p:cSld>
@@ -1905,7 +1905,7 @@
           <p:cNvPr id="2" name="标题 1">
             <a:extLst>
               <a:ext uri="{FF2B5EF4-FFF2-40B4-BE49-F238E27FC236}">
-                <a16:creationId xmlns:a16="http://schemas.microsoft.com/office/drawing/2014/main" id="{8A8A8BCE-73EB-6791-D405-C6F3EC1B982E}"/>
+                <a16:creationId xmlns:a16="http://schemas.microsoft.com/office/drawing/2014/main" id="{46B4A362-79ED-A92F-0EF4-6206FF36F559}"/>
               </a:ext>
             </a:extLst>
           </p:cNvPr>
@@ -1933,7 +1933,7 @@
           <p:cNvPr id="3" name="日期占位符 2">
             <a:extLst>
               <a:ext uri="{FF2B5EF4-FFF2-40B4-BE49-F238E27FC236}">
-                <a16:creationId xmlns:a16="http://schemas.microsoft.com/office/drawing/2014/main" id="{5299B116-802B-C483-32EB-C56091AA842F}"/>
+                <a16:creationId xmlns:a16="http://schemas.microsoft.com/office/drawing/2014/main" id="{83AC8320-E855-8072-DA5F-5C8D08E4407C}"/>
               </a:ext>
             </a:extLst>
           </p:cNvPr>
@@ -1949,7 +1949,7 @@
           <a:bodyPr/>
           <a:lstStyle/>
           <a:p>
-            <a:fld id="{FC2C7BA9-88D6-4F41-9DA4-C01D29DAA14F}" type="datetimeFigureOut">
+            <a:fld id="{4F101A18-3280-49A9-8C23-3223E8D457B3}" type="datetimeFigureOut">
               <a:rPr lang="zh-CN" altLang="en-US" smtClean="0"/>
               <a:t>2024/3/10</a:t>
             </a:fld>
@@ -1962,7 +1962,7 @@
           <p:cNvPr id="4" name="页脚占位符 3">
             <a:extLst>
               <a:ext uri="{FF2B5EF4-FFF2-40B4-BE49-F238E27FC236}">
-                <a16:creationId xmlns:a16="http://schemas.microsoft.com/office/drawing/2014/main" id="{F7911DA5-D5DA-AA20-9B88-E6CDC4B5B91B}"/>
+                <a16:creationId xmlns:a16="http://schemas.microsoft.com/office/drawing/2014/main" id="{AEC06765-6548-F78E-39C5-8EF3FA96BCC7}"/>
               </a:ext>
             </a:extLst>
           </p:cNvPr>
@@ -1987,7 +1987,7 @@
           <p:cNvPr id="5" name="灯片编号占位符 4">
             <a:extLst>
               <a:ext uri="{FF2B5EF4-FFF2-40B4-BE49-F238E27FC236}">
-                <a16:creationId xmlns:a16="http://schemas.microsoft.com/office/drawing/2014/main" id="{9906F570-1BCF-D3D0-E41C-6054A70F0604}"/>
+                <a16:creationId xmlns:a16="http://schemas.microsoft.com/office/drawing/2014/main" id="{DFE7206F-9AC8-DFC7-851C-AE3F2B25FCF6}"/>
               </a:ext>
             </a:extLst>
           </p:cNvPr>
@@ -2003,7 +2003,7 @@
           <a:bodyPr/>
           <a:lstStyle/>
           <a:p>
-            <a:fld id="{B53C888F-B29A-4F7F-9B11-A24B020DBBFC}" type="slidenum">
+            <a:fld id="{178FC285-7A94-420D-BC1D-BFAE9D32A864}" type="slidenum">
               <a:rPr lang="zh-CN" altLang="en-US" smtClean="0"/>
               <a:t>‹#›</a:t>
             </a:fld>
@@ -2014,7 +2014,7 @@
     </p:spTree>
     <p:extLst>
       <p:ext uri="{BB962C8B-B14F-4D97-AF65-F5344CB8AC3E}">
-        <p14:creationId xmlns:p14="http://schemas.microsoft.com/office/powerpoint/2010/main" val="305855684"/>
+        <p14:creationId xmlns:p14="http://schemas.microsoft.com/office/powerpoint/2010/main" val="3763194438"/>
       </p:ext>
     </p:extLst>
   </p:cSld>
@@ -2046,7 +2046,7 @@
           <p:cNvPr id="2" name="日期占位符 1">
             <a:extLst>
               <a:ext uri="{FF2B5EF4-FFF2-40B4-BE49-F238E27FC236}">
-                <a16:creationId xmlns:a16="http://schemas.microsoft.com/office/drawing/2014/main" id="{F727AF5E-BC75-612D-BD26-60A72C7A0BB0}"/>
+                <a16:creationId xmlns:a16="http://schemas.microsoft.com/office/drawing/2014/main" id="{97E89972-68E7-D364-023E-DBEC98061951}"/>
               </a:ext>
             </a:extLst>
           </p:cNvPr>
@@ -2062,7 +2062,7 @@
           <a:bodyPr/>
           <a:lstStyle/>
           <a:p>
-            <a:fld id="{FC2C7BA9-88D6-4F41-9DA4-C01D29DAA14F}" type="datetimeFigureOut">
+            <a:fld id="{4F101A18-3280-49A9-8C23-3223E8D457B3}" type="datetimeFigureOut">
               <a:rPr lang="zh-CN" altLang="en-US" smtClean="0"/>
               <a:t>2024/3/10</a:t>
             </a:fld>
@@ -2075,7 +2075,7 @@
           <p:cNvPr id="3" name="页脚占位符 2">
             <a:extLst>
               <a:ext uri="{FF2B5EF4-FFF2-40B4-BE49-F238E27FC236}">
-                <a16:creationId xmlns:a16="http://schemas.microsoft.com/office/drawing/2014/main" id="{DAFC524B-2308-5DB7-00D2-B5BDDE3C8FB7}"/>
+                <a16:creationId xmlns:a16="http://schemas.microsoft.com/office/drawing/2014/main" id="{D0141848-A33A-DD6A-9E05-F8786B5786FA}"/>
               </a:ext>
             </a:extLst>
           </p:cNvPr>
@@ -2100,7 +2100,7 @@
           <p:cNvPr id="4" name="灯片编号占位符 3">
             <a:extLst>
               <a:ext uri="{FF2B5EF4-FFF2-40B4-BE49-F238E27FC236}">
-                <a16:creationId xmlns:a16="http://schemas.microsoft.com/office/drawing/2014/main" id="{AD14F2E5-C59A-B7A4-BA8A-A355196DC3EC}"/>
+                <a16:creationId xmlns:a16="http://schemas.microsoft.com/office/drawing/2014/main" id="{D99E6ACF-5101-841D-B4E0-E5AB55C318B9}"/>
               </a:ext>
             </a:extLst>
           </p:cNvPr>
@@ -2116,7 +2116,7 @@
           <a:bodyPr/>
           <a:lstStyle/>
           <a:p>
-            <a:fld id="{B53C888F-B29A-4F7F-9B11-A24B020DBBFC}" type="slidenum">
+            <a:fld id="{178FC285-7A94-420D-BC1D-BFAE9D32A864}" type="slidenum">
               <a:rPr lang="zh-CN" altLang="en-US" smtClean="0"/>
               <a:t>‹#›</a:t>
             </a:fld>
@@ -2127,7 +2127,7 @@
     </p:spTree>
     <p:extLst>
       <p:ext uri="{BB962C8B-B14F-4D97-AF65-F5344CB8AC3E}">
-        <p14:creationId xmlns:p14="http://schemas.microsoft.com/office/powerpoint/2010/main" val="150976761"/>
+        <p14:creationId xmlns:p14="http://schemas.microsoft.com/office/powerpoint/2010/main" val="244149953"/>
       </p:ext>
     </p:extLst>
   </p:cSld>
@@ -2159,7 +2159,7 @@
           <p:cNvPr id="2" name="标题 1">
             <a:extLst>
               <a:ext uri="{FF2B5EF4-FFF2-40B4-BE49-F238E27FC236}">
-                <a16:creationId xmlns:a16="http://schemas.microsoft.com/office/drawing/2014/main" id="{7A8037FC-20AA-BE5E-CC81-D8D3B896D8D6}"/>
+                <a16:creationId xmlns:a16="http://schemas.microsoft.com/office/drawing/2014/main" id="{BBF6EDB2-4709-C45C-24C7-12AA7C049EA0}"/>
               </a:ext>
             </a:extLst>
           </p:cNvPr>
@@ -2196,7 +2196,7 @@
           <p:cNvPr id="3" name="内容占位符 2">
             <a:extLst>
               <a:ext uri="{FF2B5EF4-FFF2-40B4-BE49-F238E27FC236}">
-                <a16:creationId xmlns:a16="http://schemas.microsoft.com/office/drawing/2014/main" id="{720DEDF5-2E04-69F4-B226-901767AF1BB2}"/>
+                <a16:creationId xmlns:a16="http://schemas.microsoft.com/office/drawing/2014/main" id="{28B80DB3-2D68-BE4E-5A20-F4B9C42057EB}"/>
               </a:ext>
             </a:extLst>
           </p:cNvPr>
@@ -2286,7 +2286,7 @@
           <p:cNvPr id="4" name="文本占位符 3">
             <a:extLst>
               <a:ext uri="{FF2B5EF4-FFF2-40B4-BE49-F238E27FC236}">
-                <a16:creationId xmlns:a16="http://schemas.microsoft.com/office/drawing/2014/main" id="{7D9BDB3F-D856-FB4D-889E-09388B334077}"/>
+                <a16:creationId xmlns:a16="http://schemas.microsoft.com/office/drawing/2014/main" id="{5D773B65-E7B9-CA0F-F729-4A1CF1FC47A8}"/>
               </a:ext>
             </a:extLst>
           </p:cNvPr>
@@ -2357,7 +2357,7 @@
           <p:cNvPr id="5" name="日期占位符 4">
             <a:extLst>
               <a:ext uri="{FF2B5EF4-FFF2-40B4-BE49-F238E27FC236}">
-                <a16:creationId xmlns:a16="http://schemas.microsoft.com/office/drawing/2014/main" id="{B406A48F-883F-5123-15B2-241ACB9BA93D}"/>
+                <a16:creationId xmlns:a16="http://schemas.microsoft.com/office/drawing/2014/main" id="{783091C7-0E47-38AA-1FCC-49318F2D0A6F}"/>
               </a:ext>
             </a:extLst>
           </p:cNvPr>
@@ -2373,7 +2373,7 @@
           <a:bodyPr/>
           <a:lstStyle/>
           <a:p>
-            <a:fld id="{FC2C7BA9-88D6-4F41-9DA4-C01D29DAA14F}" type="datetimeFigureOut">
+            <a:fld id="{4F101A18-3280-49A9-8C23-3223E8D457B3}" type="datetimeFigureOut">
               <a:rPr lang="zh-CN" altLang="en-US" smtClean="0"/>
               <a:t>2024/3/10</a:t>
             </a:fld>
@@ -2386,7 +2386,7 @@
           <p:cNvPr id="6" name="页脚占位符 5">
             <a:extLst>
               <a:ext uri="{FF2B5EF4-FFF2-40B4-BE49-F238E27FC236}">
-                <a16:creationId xmlns:a16="http://schemas.microsoft.com/office/drawing/2014/main" id="{A894E7E4-6C3F-B100-1C27-00EE7A63E823}"/>
+                <a16:creationId xmlns:a16="http://schemas.microsoft.com/office/drawing/2014/main" id="{6FDC3020-0273-E4BB-FF2A-A7D515AAD866}"/>
               </a:ext>
             </a:extLst>
           </p:cNvPr>
@@ -2411,7 +2411,7 @@
           <p:cNvPr id="7" name="灯片编号占位符 6">
             <a:extLst>
               <a:ext uri="{FF2B5EF4-FFF2-40B4-BE49-F238E27FC236}">
-                <a16:creationId xmlns:a16="http://schemas.microsoft.com/office/drawing/2014/main" id="{213913F9-16C3-389A-C4E0-F64559FF922D}"/>
+                <a16:creationId xmlns:a16="http://schemas.microsoft.com/office/drawing/2014/main" id="{D2F6D358-0378-7792-EB00-4A3861186928}"/>
               </a:ext>
             </a:extLst>
           </p:cNvPr>
@@ -2427,7 +2427,7 @@
           <a:bodyPr/>
           <a:lstStyle/>
           <a:p>
-            <a:fld id="{B53C888F-B29A-4F7F-9B11-A24B020DBBFC}" type="slidenum">
+            <a:fld id="{178FC285-7A94-420D-BC1D-BFAE9D32A864}" type="slidenum">
               <a:rPr lang="zh-CN" altLang="en-US" smtClean="0"/>
               <a:t>‹#›</a:t>
             </a:fld>
@@ -2438,7 +2438,7 @@
     </p:spTree>
     <p:extLst>
       <p:ext uri="{BB962C8B-B14F-4D97-AF65-F5344CB8AC3E}">
-        <p14:creationId xmlns:p14="http://schemas.microsoft.com/office/powerpoint/2010/main" val="2014404794"/>
+        <p14:creationId xmlns:p14="http://schemas.microsoft.com/office/powerpoint/2010/main" val="307313809"/>
       </p:ext>
     </p:extLst>
   </p:cSld>
@@ -2470,7 +2470,7 @@
           <p:cNvPr id="2" name="标题 1">
             <a:extLst>
               <a:ext uri="{FF2B5EF4-FFF2-40B4-BE49-F238E27FC236}">
-                <a16:creationId xmlns:a16="http://schemas.microsoft.com/office/drawing/2014/main" id="{B4A9D7A9-328B-0913-1F18-944172206240}"/>
+                <a16:creationId xmlns:a16="http://schemas.microsoft.com/office/drawing/2014/main" id="{9C92015B-D4E5-A6B6-3678-7C65D1583723}"/>
               </a:ext>
             </a:extLst>
           </p:cNvPr>
@@ -2507,7 +2507,7 @@
           <p:cNvPr id="3" name="图片占位符 2">
             <a:extLst>
               <a:ext uri="{FF2B5EF4-FFF2-40B4-BE49-F238E27FC236}">
-                <a16:creationId xmlns:a16="http://schemas.microsoft.com/office/drawing/2014/main" id="{F1EF8C55-2AFE-A35E-3238-6FC881BED6CB}"/>
+                <a16:creationId xmlns:a16="http://schemas.microsoft.com/office/drawing/2014/main" id="{7E518DC7-BA59-8F13-B312-300A0B993088}"/>
               </a:ext>
             </a:extLst>
           </p:cNvPr>
@@ -2574,7 +2574,7 @@
           <p:cNvPr id="4" name="文本占位符 3">
             <a:extLst>
               <a:ext uri="{FF2B5EF4-FFF2-40B4-BE49-F238E27FC236}">
-                <a16:creationId xmlns:a16="http://schemas.microsoft.com/office/drawing/2014/main" id="{E971FAFD-57DB-BC37-5C0E-E8D9F8FFB0B9}"/>
+                <a16:creationId xmlns:a16="http://schemas.microsoft.com/office/drawing/2014/main" id="{E24DBF35-D369-58A3-7FF9-70F1DB351715}"/>
               </a:ext>
             </a:extLst>
           </p:cNvPr>
@@ -2645,7 +2645,7 @@
           <p:cNvPr id="5" name="日期占位符 4">
             <a:extLst>
               <a:ext uri="{FF2B5EF4-FFF2-40B4-BE49-F238E27FC236}">
-                <a16:creationId xmlns:a16="http://schemas.microsoft.com/office/drawing/2014/main" id="{5009CC71-893C-213D-4CCF-EC243CE82567}"/>
+                <a16:creationId xmlns:a16="http://schemas.microsoft.com/office/drawing/2014/main" id="{31046615-EE74-3072-1B09-19AE791EC116}"/>
               </a:ext>
             </a:extLst>
           </p:cNvPr>
@@ -2661,7 +2661,7 @@
           <a:bodyPr/>
           <a:lstStyle/>
           <a:p>
-            <a:fld id="{FC2C7BA9-88D6-4F41-9DA4-C01D29DAA14F}" type="datetimeFigureOut">
+            <a:fld id="{4F101A18-3280-49A9-8C23-3223E8D457B3}" type="datetimeFigureOut">
               <a:rPr lang="zh-CN" altLang="en-US" smtClean="0"/>
               <a:t>2024/3/10</a:t>
             </a:fld>
@@ -2674,7 +2674,7 @@
           <p:cNvPr id="6" name="页脚占位符 5">
             <a:extLst>
               <a:ext uri="{FF2B5EF4-FFF2-40B4-BE49-F238E27FC236}">
-                <a16:creationId xmlns:a16="http://schemas.microsoft.com/office/drawing/2014/main" id="{65CF07C0-10DC-82EA-DC31-3E9A70CB1A6B}"/>
+                <a16:creationId xmlns:a16="http://schemas.microsoft.com/office/drawing/2014/main" id="{831EBFAA-C1C6-330A-D926-85B646B77B4E}"/>
               </a:ext>
             </a:extLst>
           </p:cNvPr>
@@ -2699,7 +2699,7 @@
           <p:cNvPr id="7" name="灯片编号占位符 6">
             <a:extLst>
               <a:ext uri="{FF2B5EF4-FFF2-40B4-BE49-F238E27FC236}">
-                <a16:creationId xmlns:a16="http://schemas.microsoft.com/office/drawing/2014/main" id="{14CBD400-EF3D-A8ED-DD80-4542588A9611}"/>
+                <a16:creationId xmlns:a16="http://schemas.microsoft.com/office/drawing/2014/main" id="{4FB4F4FC-3E15-2BA8-6BA1-63B58AAF441D}"/>
               </a:ext>
             </a:extLst>
           </p:cNvPr>
@@ -2715,7 +2715,7 @@
           <a:bodyPr/>
           <a:lstStyle/>
           <a:p>
-            <a:fld id="{B53C888F-B29A-4F7F-9B11-A24B020DBBFC}" type="slidenum">
+            <a:fld id="{178FC285-7A94-420D-BC1D-BFAE9D32A864}" type="slidenum">
               <a:rPr lang="zh-CN" altLang="en-US" smtClean="0"/>
               <a:t>‹#›</a:t>
             </a:fld>
@@ -2726,7 +2726,7 @@
     </p:spTree>
     <p:extLst>
       <p:ext uri="{BB962C8B-B14F-4D97-AF65-F5344CB8AC3E}">
-        <p14:creationId xmlns:p14="http://schemas.microsoft.com/office/powerpoint/2010/main" val="4079181097"/>
+        <p14:creationId xmlns:p14="http://schemas.microsoft.com/office/powerpoint/2010/main" val="2003615899"/>
       </p:ext>
     </p:extLst>
   </p:cSld>
@@ -2763,7 +2763,7 @@
           <p:cNvPr id="2" name="标题占位符 1">
             <a:extLst>
               <a:ext uri="{FF2B5EF4-FFF2-40B4-BE49-F238E27FC236}">
-                <a16:creationId xmlns:a16="http://schemas.microsoft.com/office/drawing/2014/main" id="{3C706F8F-6CFE-E144-182D-40571F144AE0}"/>
+                <a16:creationId xmlns:a16="http://schemas.microsoft.com/office/drawing/2014/main" id="{56728C3A-DDDB-6B04-C870-7CA7940A3AF3}"/>
               </a:ext>
             </a:extLst>
           </p:cNvPr>
@@ -2801,7 +2801,7 @@
           <p:cNvPr id="3" name="文本占位符 2">
             <a:extLst>
               <a:ext uri="{FF2B5EF4-FFF2-40B4-BE49-F238E27FC236}">
-                <a16:creationId xmlns:a16="http://schemas.microsoft.com/office/drawing/2014/main" id="{37478A2F-1DCB-27D2-7530-1C5A5E7C19DC}"/>
+                <a16:creationId xmlns:a16="http://schemas.microsoft.com/office/drawing/2014/main" id="{34907D2D-4EA1-71B4-1F43-7D3B40173C26}"/>
               </a:ext>
             </a:extLst>
           </p:cNvPr>
@@ -2868,7 +2868,7 @@
           <p:cNvPr id="4" name="日期占位符 3">
             <a:extLst>
               <a:ext uri="{FF2B5EF4-FFF2-40B4-BE49-F238E27FC236}">
-                <a16:creationId xmlns:a16="http://schemas.microsoft.com/office/drawing/2014/main" id="{66E082E7-3C3F-F549-2135-10A5060C4218}"/>
+                <a16:creationId xmlns:a16="http://schemas.microsoft.com/office/drawing/2014/main" id="{F5BEDF1B-6A3C-0990-E55A-CB265E597EC5}"/>
               </a:ext>
             </a:extLst>
           </p:cNvPr>
@@ -2902,7 +2902,7 @@
             </a:lvl1pPr>
           </a:lstStyle>
           <a:p>
-            <a:fld id="{FC2C7BA9-88D6-4F41-9DA4-C01D29DAA14F}" type="datetimeFigureOut">
+            <a:fld id="{4F101A18-3280-49A9-8C23-3223E8D457B3}" type="datetimeFigureOut">
               <a:rPr lang="zh-CN" altLang="en-US" smtClean="0"/>
               <a:t>2024/3/10</a:t>
             </a:fld>
@@ -2915,7 +2915,7 @@
           <p:cNvPr id="5" name="页脚占位符 4">
             <a:extLst>
               <a:ext uri="{FF2B5EF4-FFF2-40B4-BE49-F238E27FC236}">
-                <a16:creationId xmlns:a16="http://schemas.microsoft.com/office/drawing/2014/main" id="{F2416B67-098E-BF3A-13F6-423C733B8A7E}"/>
+                <a16:creationId xmlns:a16="http://schemas.microsoft.com/office/drawing/2014/main" id="{2072DEAC-7BD1-2D59-2F73-1676CC1CDD36}"/>
               </a:ext>
             </a:extLst>
           </p:cNvPr>
@@ -2958,7 +2958,7 @@
           <p:cNvPr id="6" name="灯片编号占位符 5">
             <a:extLst>
               <a:ext uri="{FF2B5EF4-FFF2-40B4-BE49-F238E27FC236}">
-                <a16:creationId xmlns:a16="http://schemas.microsoft.com/office/drawing/2014/main" id="{3E6681FE-5BCF-3261-42E8-03E2AF0B5977}"/>
+                <a16:creationId xmlns:a16="http://schemas.microsoft.com/office/drawing/2014/main" id="{6233BF61-B30F-B362-9975-17D546692E19}"/>
               </a:ext>
             </a:extLst>
           </p:cNvPr>
@@ -2992,7 +2992,7 @@
             </a:lvl1pPr>
           </a:lstStyle>
           <a:p>
-            <a:fld id="{B53C888F-B29A-4F7F-9B11-A24B020DBBFC}" type="slidenum">
+            <a:fld id="{178FC285-7A94-420D-BC1D-BFAE9D32A864}" type="slidenum">
               <a:rPr lang="zh-CN" altLang="en-US" smtClean="0"/>
               <a:t>‹#›</a:t>
             </a:fld>
@@ -3003,7 +3003,7 @@
     </p:spTree>
     <p:extLst>
       <p:ext uri="{BB962C8B-B14F-4D97-AF65-F5344CB8AC3E}">
-        <p14:creationId xmlns:p14="http://schemas.microsoft.com/office/powerpoint/2010/main" val="2530898173"/>
+        <p14:creationId xmlns:p14="http://schemas.microsoft.com/office/powerpoint/2010/main" val="2966968721"/>
       </p:ext>
     </p:extLst>
   </p:cSld>
